--- a/DsDotNet/src/UnitTest/UnitTest.Model/ImportOfficeExample/Sample/CircularDependency.pptx
+++ b/DsDotNet/src/UnitTest/UnitTest.Model/ImportOfficeExample/Sample/CircularDependency.pptx
@@ -5,14 +5,15 @@
     <p:sldMasterId id="2147483687" r:id="rId1"/>
   </p:sldMasterIdLst>
   <p:notesMasterIdLst>
-    <p:notesMasterId r:id="rId4"/>
+    <p:notesMasterId r:id="rId5"/>
   </p:notesMasterIdLst>
   <p:handoutMasterIdLst>
-    <p:handoutMasterId r:id="rId5"/>
+    <p:handoutMasterId r:id="rId6"/>
   </p:handoutMasterIdLst>
   <p:sldIdLst>
     <p:sldId id="614" r:id="rId2"/>
     <p:sldId id="607" r:id="rId3"/>
+    <p:sldId id="615" r:id="rId4"/>
   </p:sldIdLst>
   <p:sldSz cx="12192000" cy="6858000"/>
   <p:notesSz cx="6797675" cy="9926638"/>
@@ -216,7 +217,7 @@
           <a:p>
             <a:fld id="{DD503887-5801-43A0-AEF9-041E8DDC2558}" type="datetimeFigureOut">
               <a:rPr lang="ko-KR" altLang="en-US" smtClean="0"/>
-              <a:t>2022-12-22</a:t>
+              <a:t>2023-09-03</a:t>
             </a:fld>
             <a:endParaRPr lang="ko-KR" altLang="en-US" dirty="0"/>
           </a:p>
@@ -393,7 +394,7 @@
           <a:p>
             <a:fld id="{95336A0E-57B1-4D4C-BD9B-2F72B5943464}" type="datetimeFigureOut">
               <a:rPr lang="ko-KR" altLang="en-US" smtClean="0"/>
-              <a:t>2022-12-22</a:t>
+              <a:t>2023-09-03</a:t>
             </a:fld>
             <a:endParaRPr lang="ko-KR" altLang="en-US" dirty="0"/>
           </a:p>
@@ -891,7 +892,7 @@
           <a:p>
             <a:fld id="{229D12C7-0FF5-4972-A033-474EFFC79F40}" type="datetime1">
               <a:rPr lang="ko-KR" altLang="en-US" smtClean="0"/>
-              <a:t>2022-12-22</a:t>
+              <a:t>2023-09-03</a:t>
             </a:fld>
             <a:endParaRPr lang="ko-KR" altLang="en-US" dirty="0"/>
           </a:p>
@@ -1089,7 +1090,7 @@
           <a:p>
             <a:fld id="{5BA19FD4-B052-4F56-8FD8-EAFD078DEFB0}" type="datetime1">
               <a:rPr lang="ko-KR" altLang="en-US" smtClean="0"/>
-              <a:t>2022-12-22</a:t>
+              <a:t>2023-09-03</a:t>
             </a:fld>
             <a:endParaRPr lang="ko-KR" altLang="en-US" dirty="0"/>
           </a:p>
@@ -1297,7 +1298,7 @@
           <a:p>
             <a:fld id="{024994B9-23A6-4B0A-A038-AC140E83DAA3}" type="datetime1">
               <a:rPr lang="ko-KR" altLang="en-US" smtClean="0"/>
-              <a:t>2022-12-22</a:t>
+              <a:t>2023-09-03</a:t>
             </a:fld>
             <a:endParaRPr lang="ko-KR" altLang="en-US" dirty="0"/>
           </a:p>
@@ -1439,7 +1440,7 @@
           <a:p>
             <a:fld id="{B5B1BBC2-B738-4C35-AEE5-660EB2DEB482}" type="datetime1">
               <a:rPr lang="ko-KR" altLang="en-US" smtClean="0"/>
-              <a:t>2022-12-22</a:t>
+              <a:t>2023-09-03</a:t>
             </a:fld>
             <a:endParaRPr lang="ko-KR" altLang="en-US" dirty="0"/>
           </a:p>
@@ -6106,7 +6107,7 @@
           <a:p>
             <a:fld id="{70D0DAB2-87CB-4028-B965-3AA710ADF2CB}" type="datetime1">
               <a:rPr lang="ko-KR" altLang="en-US" smtClean="0"/>
-              <a:t>2022-12-22</a:t>
+              <a:t>2023-09-03</a:t>
             </a:fld>
             <a:endParaRPr lang="ko-KR" altLang="en-US" dirty="0"/>
           </a:p>
@@ -6381,7 +6382,7 @@
           <a:p>
             <a:fld id="{63FA3D71-FEA8-477F-9D1E-EA860F411BC7}" type="datetime1">
               <a:rPr lang="ko-KR" altLang="en-US" smtClean="0"/>
-              <a:t>2022-12-22</a:t>
+              <a:t>2023-09-03</a:t>
             </a:fld>
             <a:endParaRPr lang="ko-KR" altLang="en-US" dirty="0"/>
           </a:p>
@@ -6646,7 +6647,7 @@
           <a:p>
             <a:fld id="{F58E3EF4-7980-4C97-BA64-EC66995BB574}" type="datetime1">
               <a:rPr lang="ko-KR" altLang="en-US" smtClean="0"/>
-              <a:t>2022-12-22</a:t>
+              <a:t>2023-09-03</a:t>
             </a:fld>
             <a:endParaRPr lang="ko-KR" altLang="en-US" dirty="0"/>
           </a:p>
@@ -7058,7 +7059,7 @@
           <a:p>
             <a:fld id="{FC9BC1D0-7D6B-4634-9D19-644040D74EAE}" type="datetime1">
               <a:rPr lang="ko-KR" altLang="en-US" smtClean="0"/>
-              <a:t>2022-12-22</a:t>
+              <a:t>2023-09-03</a:t>
             </a:fld>
             <a:endParaRPr lang="ko-KR" altLang="en-US" dirty="0"/>
           </a:p>
@@ -7199,7 +7200,7 @@
           <a:p>
             <a:fld id="{B5B1BBC2-B738-4C35-AEE5-660EB2DEB482}" type="datetime1">
               <a:rPr lang="ko-KR" altLang="en-US" smtClean="0"/>
-              <a:t>2022-12-22</a:t>
+              <a:t>2023-09-03</a:t>
             </a:fld>
             <a:endParaRPr lang="ko-KR" altLang="en-US" dirty="0"/>
           </a:p>
@@ -11781,7 +11782,7 @@
           <a:p>
             <a:fld id="{C60E9F93-7E77-4F36-B88C-A425F00C8D91}" type="datetime1">
               <a:rPr lang="ko-KR" altLang="en-US" smtClean="0"/>
-              <a:t>2022-12-22</a:t>
+              <a:t>2023-09-03</a:t>
             </a:fld>
             <a:endParaRPr lang="ko-KR" altLang="en-US" dirty="0"/>
           </a:p>
@@ -12092,7 +12093,7 @@
           <a:p>
             <a:fld id="{36BCCD0E-2A54-4016-BFFC-FEAABCDA6915}" type="datetime1">
               <a:rPr lang="ko-KR" altLang="en-US" smtClean="0"/>
-              <a:t>2022-12-22</a:t>
+              <a:t>2023-09-03</a:t>
             </a:fld>
             <a:endParaRPr lang="ko-KR" altLang="en-US" dirty="0"/>
           </a:p>
@@ -12380,7 +12381,7 @@
           <a:p>
             <a:fld id="{C984B0C4-64BA-4E4C-B5E6-A51EE3F6ED95}" type="datetime1">
               <a:rPr lang="ko-KR" altLang="en-US" smtClean="0"/>
-              <a:t>2022-12-22</a:t>
+              <a:t>2023-09-03</a:t>
             </a:fld>
             <a:endParaRPr lang="ko-KR" altLang="en-US" dirty="0"/>
           </a:p>
@@ -12622,7 +12623,7 @@
           <a:p>
             <a:fld id="{C984B0C4-64BA-4E4C-B5E6-A51EE3F6ED95}" type="datetime1">
               <a:rPr lang="ko-KR" altLang="en-US" smtClean="0"/>
-              <a:t>2022-12-22</a:t>
+              <a:t>2023-09-03</a:t>
             </a:fld>
             <a:endParaRPr lang="ko-KR" altLang="en-US" dirty="0"/>
           </a:p>
@@ -13113,7 +13114,7 @@
 </file>
 
 <file path=ppt/slides/slide2.xml><?xml version="1.0" encoding="utf-8"?>
-<p:sld xmlns:a="http://schemas.openxmlformats.org/drawingml/2006/main" xmlns:r="http://schemas.openxmlformats.org/officeDocument/2006/relationships" xmlns:p="http://schemas.openxmlformats.org/presentationml/2006/main">
+<p:sld xmlns:a="http://schemas.openxmlformats.org/drawingml/2006/main" xmlns:r="http://schemas.openxmlformats.org/officeDocument/2006/relationships" xmlns:p="http://schemas.openxmlformats.org/presentationml/2006/main" show="0">
   <p:cSld>
     <p:spTree>
       <p:nvGrpSpPr>
@@ -13512,6 +13513,347 @@
     <p:extLst>
       <p:ext uri="{BB962C8B-B14F-4D97-AF65-F5344CB8AC3E}">
         <p14:creationId xmlns:p14="http://schemas.microsoft.com/office/powerpoint/2010/main" val="1142561549"/>
+      </p:ext>
+    </p:extLst>
+  </p:cSld>
+  <p:clrMapOvr>
+    <a:masterClrMapping/>
+  </p:clrMapOvr>
+</p:sld>
+</file>
+
+<file path=ppt/slides/slide3.xml><?xml version="1.0" encoding="utf-8"?>
+<p:sld xmlns:a="http://schemas.openxmlformats.org/drawingml/2006/main" xmlns:r="http://schemas.openxmlformats.org/officeDocument/2006/relationships" xmlns:p="http://schemas.openxmlformats.org/presentationml/2006/main">
+  <p:cSld>
+    <p:spTree>
+      <p:nvGrpSpPr>
+        <p:cNvPr id="1" name=""/>
+        <p:cNvGrpSpPr/>
+        <p:nvPr/>
+      </p:nvGrpSpPr>
+      <p:grpSpPr>
+        <a:xfrm>
+          <a:off x="0" y="0"/>
+          <a:ext cx="0" cy="0"/>
+          <a:chOff x="0" y="0"/>
+          <a:chExt cx="0" cy="0"/>
+        </a:xfrm>
+      </p:grpSpPr>
+      <p:sp>
+        <p:nvSpPr>
+          <p:cNvPr id="2" name="제목 1">
+            <a:extLst>
+              <a:ext uri="{FF2B5EF4-FFF2-40B4-BE49-F238E27FC236}">
+                <a16:creationId xmlns:a16="http://schemas.microsoft.com/office/drawing/2014/main" id="{5E8FE27E-4086-E570-1BA4-F2B433CAA376}"/>
+              </a:ext>
+            </a:extLst>
+          </p:cNvPr>
+          <p:cNvSpPr>
+            <a:spLocks noGrp="1"/>
+          </p:cNvSpPr>
+          <p:nvPr>
+            <p:ph type="title"/>
+          </p:nvPr>
+        </p:nvSpPr>
+        <p:spPr/>
+        <p:txBody>
+          <a:bodyPr/>
+          <a:lstStyle/>
+          <a:p>
+            <a:r>
+              <a:rPr lang="en-US" altLang="ko-KR" dirty="0"/>
+              <a:t>F</a:t>
+            </a:r>
+            <a:endParaRPr lang="ko-KR" altLang="en-US" dirty="0"/>
+          </a:p>
+        </p:txBody>
+      </p:sp>
+      <p:sp>
+        <p:nvSpPr>
+          <p:cNvPr id="7" name="사각형: 모서리가 접힌 도형 6">
+            <a:extLst>
+              <a:ext uri="{FF2B5EF4-FFF2-40B4-BE49-F238E27FC236}">
+                <a16:creationId xmlns:a16="http://schemas.microsoft.com/office/drawing/2014/main" id="{E20F75E5-4691-EC05-2730-B5EAC808B068}"/>
+              </a:ext>
+            </a:extLst>
+          </p:cNvPr>
+          <p:cNvSpPr/>
+          <p:nvPr/>
+        </p:nvSpPr>
+        <p:spPr>
+          <a:xfrm>
+            <a:off x="9344885" y="747993"/>
+            <a:ext cx="2437946" cy="1223682"/>
+          </a:xfrm>
+          <a:prstGeom prst="foldedCorner">
+            <a:avLst>
+              <a:gd name="adj" fmla="val 0"/>
+            </a:avLst>
+          </a:prstGeom>
+          <a:solidFill>
+            <a:schemeClr val="accent3">
+              <a:alpha val="50000"/>
+            </a:schemeClr>
+          </a:solidFill>
+          <a:ln>
+            <a:noFill/>
+          </a:ln>
+        </p:spPr>
+        <p:style>
+          <a:lnRef idx="0">
+            <a:scrgbClr r="0" g="0" b="0"/>
+          </a:lnRef>
+          <a:fillRef idx="0">
+            <a:scrgbClr r="0" g="0" b="0"/>
+          </a:fillRef>
+          <a:effectRef idx="0">
+            <a:scrgbClr r="0" g="0" b="0"/>
+          </a:effectRef>
+          <a:fontRef idx="minor">
+            <a:schemeClr val="lt1"/>
+          </a:fontRef>
+        </p:style>
+        <p:txBody>
+          <a:bodyPr rtlCol="0" anchor="ctr"/>
+          <a:lstStyle/>
+          <a:p>
+            <a:pPr algn="ctr"/>
+            <a:r>
+              <a:rPr lang="en-US" altLang="ko-KR" dirty="0"/>
+              <a:t>main </a:t>
+            </a:r>
+          </a:p>
+          <a:p>
+            <a:pPr algn="ctr"/>
+            <a:r>
+              <a:rPr lang="en-US" altLang="ko-KR" dirty="0"/>
+              <a:t>[LH]</a:t>
+            </a:r>
+            <a:endParaRPr lang="ko-KR" altLang="en-US" dirty="0"/>
+          </a:p>
+        </p:txBody>
+      </p:sp>
+      <p:sp>
+        <p:nvSpPr>
+          <p:cNvPr id="6" name="직사각형 5">
+            <a:extLst>
+              <a:ext uri="{FF2B5EF4-FFF2-40B4-BE49-F238E27FC236}">
+                <a16:creationId xmlns:a16="http://schemas.microsoft.com/office/drawing/2014/main" id="{217B25AD-148C-7929-3495-54B7F85C1125}"/>
+              </a:ext>
+            </a:extLst>
+          </p:cNvPr>
+          <p:cNvSpPr/>
+          <p:nvPr/>
+        </p:nvSpPr>
+        <p:spPr>
+          <a:xfrm>
+            <a:off x="971019" y="1543050"/>
+            <a:ext cx="1624136" cy="1583327"/>
+          </a:xfrm>
+          <a:prstGeom prst="rect">
+            <a:avLst/>
+          </a:prstGeom>
+          <a:ln/>
+        </p:spPr>
+        <p:style>
+          <a:lnRef idx="3">
+            <a:schemeClr val="lt1"/>
+          </a:lnRef>
+          <a:fillRef idx="1">
+            <a:schemeClr val="dk1"/>
+          </a:fillRef>
+          <a:effectRef idx="1">
+            <a:schemeClr val="dk1"/>
+          </a:effectRef>
+          <a:fontRef idx="minor">
+            <a:schemeClr val="lt1"/>
+          </a:fontRef>
+        </p:style>
+        <p:txBody>
+          <a:bodyPr rtlCol="0" anchor="ctr"/>
+          <a:lstStyle/>
+          <a:p>
+            <a:pPr algn="ctr"/>
+            <a:r>
+              <a:rPr lang="en-US" altLang="ko-KR" sz="1200"/>
+              <a:t>LH$</a:t>
+            </a:r>
+          </a:p>
+          <a:p>
+            <a:pPr algn="ctr"/>
+            <a:r>
+              <a:rPr lang="en-US" altLang="ko-KR" sz="1200" dirty="0"/>
+              <a:t>RBTCLEAR</a:t>
+            </a:r>
+          </a:p>
+        </p:txBody>
+      </p:sp>
+      <p:sp>
+        <p:nvSpPr>
+          <p:cNvPr id="4" name="사각형: 모서리가 접힌 도형 3">
+            <a:extLst>
+              <a:ext uri="{FF2B5EF4-FFF2-40B4-BE49-F238E27FC236}">
+                <a16:creationId xmlns:a16="http://schemas.microsoft.com/office/drawing/2014/main" id="{C5AB3082-060C-6356-EA4F-FD576A0B8A57}"/>
+              </a:ext>
+            </a:extLst>
+          </p:cNvPr>
+          <p:cNvSpPr/>
+          <p:nvPr/>
+        </p:nvSpPr>
+        <p:spPr>
+          <a:xfrm>
+            <a:off x="9344885" y="2205318"/>
+            <a:ext cx="2437946" cy="1223682"/>
+          </a:xfrm>
+          <a:prstGeom prst="foldedCorner">
+            <a:avLst>
+              <a:gd name="adj" fmla="val 0"/>
+            </a:avLst>
+          </a:prstGeom>
+          <a:solidFill>
+            <a:schemeClr val="accent3">
+              <a:alpha val="50000"/>
+            </a:schemeClr>
+          </a:solidFill>
+          <a:ln>
+            <a:noFill/>
+          </a:ln>
+        </p:spPr>
+        <p:style>
+          <a:lnRef idx="0">
+            <a:scrgbClr r="0" g="0" b="0"/>
+          </a:lnRef>
+          <a:fillRef idx="0">
+            <a:scrgbClr r="0" g="0" b="0"/>
+          </a:fillRef>
+          <a:effectRef idx="0">
+            <a:scrgbClr r="0" g="0" b="0"/>
+          </a:effectRef>
+          <a:fontRef idx="minor">
+            <a:schemeClr val="lt1"/>
+          </a:fontRef>
+        </p:style>
+        <p:txBody>
+          <a:bodyPr rtlCol="0" anchor="ctr"/>
+          <a:lstStyle/>
+          <a:p>
+            <a:pPr algn="ctr"/>
+            <a:r>
+              <a:rPr lang="en-US" altLang="ko-KR" dirty="0"/>
+              <a:t>SubAssy </a:t>
+            </a:r>
+          </a:p>
+          <a:p>
+            <a:pPr algn="ctr"/>
+            <a:r>
+              <a:rPr lang="en-US" altLang="ko-KR" dirty="0"/>
+              <a:t>[RH]</a:t>
+            </a:r>
+            <a:endParaRPr lang="ko-KR" altLang="en-US" dirty="0"/>
+          </a:p>
+        </p:txBody>
+      </p:sp>
+      <p:sp>
+        <p:nvSpPr>
+          <p:cNvPr id="3" name="직사각형 2">
+            <a:extLst>
+              <a:ext uri="{FF2B5EF4-FFF2-40B4-BE49-F238E27FC236}">
+                <a16:creationId xmlns:a16="http://schemas.microsoft.com/office/drawing/2014/main" id="{B1058981-9D2D-5005-414A-03BC116703CB}"/>
+              </a:ext>
+            </a:extLst>
+          </p:cNvPr>
+          <p:cNvSpPr/>
+          <p:nvPr/>
+        </p:nvSpPr>
+        <p:spPr>
+          <a:xfrm>
+            <a:off x="3609717" y="2637336"/>
+            <a:ext cx="1624136" cy="1583327"/>
+          </a:xfrm>
+          <a:prstGeom prst="rect">
+            <a:avLst/>
+          </a:prstGeom>
+          <a:ln/>
+        </p:spPr>
+        <p:style>
+          <a:lnRef idx="3">
+            <a:schemeClr val="lt1"/>
+          </a:lnRef>
+          <a:fillRef idx="1">
+            <a:schemeClr val="dk1"/>
+          </a:fillRef>
+          <a:effectRef idx="1">
+            <a:schemeClr val="dk1"/>
+          </a:effectRef>
+          <a:fontRef idx="minor">
+            <a:schemeClr val="lt1"/>
+          </a:fontRef>
+        </p:style>
+        <p:txBody>
+          <a:bodyPr rtlCol="0" anchor="ctr"/>
+          <a:lstStyle/>
+          <a:p>
+            <a:pPr algn="ctr"/>
+            <a:r>
+              <a:rPr lang="en-US" altLang="ko-KR" sz="1200" dirty="0"/>
+              <a:t>RH$</a:t>
+            </a:r>
+          </a:p>
+          <a:p>
+            <a:pPr algn="ctr"/>
+            <a:r>
+              <a:rPr lang="en-US" altLang="ko-KR" sz="1200" dirty="0"/>
+              <a:t>SUBDONE</a:t>
+            </a:r>
+          </a:p>
+        </p:txBody>
+      </p:sp>
+      <p:cxnSp>
+        <p:nvCxnSpPr>
+          <p:cNvPr id="10" name="연결선: 꺾임 9">
+            <a:extLst>
+              <a:ext uri="{FF2B5EF4-FFF2-40B4-BE49-F238E27FC236}">
+                <a16:creationId xmlns:a16="http://schemas.microsoft.com/office/drawing/2014/main" id="{A8683D04-7B41-DA42-696E-7FD642FB0BD3}"/>
+              </a:ext>
+            </a:extLst>
+          </p:cNvPr>
+          <p:cNvCxnSpPr>
+            <a:stCxn id="6" idx="3"/>
+            <a:endCxn id="3" idx="1"/>
+          </p:cNvCxnSpPr>
+          <p:nvPr/>
+        </p:nvCxnSpPr>
+        <p:spPr>
+          <a:xfrm>
+            <a:off x="2595155" y="2334714"/>
+            <a:ext cx="1014562" cy="1094286"/>
+          </a:xfrm>
+          <a:prstGeom prst="bentConnector3">
+            <a:avLst/>
+          </a:prstGeom>
+          <a:ln>
+            <a:tailEnd type="triangle"/>
+          </a:ln>
+        </p:spPr>
+        <p:style>
+          <a:lnRef idx="1">
+            <a:schemeClr val="accent1"/>
+          </a:lnRef>
+          <a:fillRef idx="0">
+            <a:schemeClr val="accent1"/>
+          </a:fillRef>
+          <a:effectRef idx="0">
+            <a:schemeClr val="accent1"/>
+          </a:effectRef>
+          <a:fontRef idx="minor">
+            <a:schemeClr val="tx1"/>
+          </a:fontRef>
+        </p:style>
+      </p:cxnSp>
+    </p:spTree>
+    <p:extLst>
+      <p:ext uri="{BB962C8B-B14F-4D97-AF65-F5344CB8AC3E}">
+        <p14:creationId xmlns:p14="http://schemas.microsoft.com/office/powerpoint/2010/main" val="3018823618"/>
       </p:ext>
     </p:extLst>
   </p:cSld>

--- a/DsDotNet/src/UnitTest/UnitTest.Model/ImportOfficeExample/Sample/CircularDependency.pptx
+++ b/DsDotNet/src/UnitTest/UnitTest.Model/ImportOfficeExample/Sample/CircularDependency.pptx
@@ -13647,7 +13647,7 @@
         </p:nvSpPr>
         <p:spPr>
           <a:xfrm>
-            <a:off x="971019" y="1543050"/>
+            <a:off x="1998630" y="2205318"/>
             <a:ext cx="1624136" cy="1583327"/>
           </a:xfrm>
           <a:prstGeom prst="rect">
@@ -13675,7 +13675,7 @@
           <a:p>
             <a:pPr algn="ctr"/>
             <a:r>
-              <a:rPr lang="en-US" altLang="ko-KR" sz="1200"/>
+              <a:rPr lang="en-US" altLang="ko-KR" sz="1200" dirty="0"/>
               <a:t>LH$</a:t>
             </a:r>
           </a:p>
@@ -13767,7 +13767,7 @@
         </p:nvSpPr>
         <p:spPr>
           <a:xfrm>
-            <a:off x="3609717" y="2637336"/>
+            <a:off x="4942128" y="3525611"/>
             <a:ext cx="1624136" cy="1583327"/>
           </a:xfrm>
           <a:prstGeom prst="rect">
@@ -13825,8 +13825,8 @@
         </p:nvCxnSpPr>
         <p:spPr>
           <a:xfrm>
-            <a:off x="2595155" y="2334714"/>
-            <a:ext cx="1014562" cy="1094286"/>
+            <a:off x="3622766" y="2996982"/>
+            <a:ext cx="1319362" cy="1320293"/>
           </a:xfrm>
           <a:prstGeom prst="bentConnector3">
             <a:avLst/>
